--- a/PPT/Playtesting.pptx
+++ b/PPT/Playtesting.pptx
@@ -273,7 +273,7 @@
           <a:p>
             <a:fld id="{5E322444-AC78-4D7E-B8B8-5ACC761D4F45}" type="datetimeFigureOut">
               <a:rPr lang="en-US" smtClean="0"/>
-              <a:t>7/18/2023</a:t>
+              <a:t>3/25/2024</a:t>
             </a:fld>
             <a:endParaRPr lang="en-US"/>
           </a:p>
@@ -471,7 +471,7 @@
           <a:p>
             <a:fld id="{5E322444-AC78-4D7E-B8B8-5ACC761D4F45}" type="datetimeFigureOut">
               <a:rPr lang="en-US" smtClean="0"/>
-              <a:t>7/18/2023</a:t>
+              <a:t>3/25/2024</a:t>
             </a:fld>
             <a:endParaRPr lang="en-US"/>
           </a:p>
@@ -679,7 +679,7 @@
           <a:p>
             <a:fld id="{5E322444-AC78-4D7E-B8B8-5ACC761D4F45}" type="datetimeFigureOut">
               <a:rPr lang="en-US" smtClean="0"/>
-              <a:t>7/18/2023</a:t>
+              <a:t>3/25/2024</a:t>
             </a:fld>
             <a:endParaRPr lang="en-US"/>
           </a:p>
@@ -877,7 +877,7 @@
           <a:p>
             <a:fld id="{5E322444-AC78-4D7E-B8B8-5ACC761D4F45}" type="datetimeFigureOut">
               <a:rPr lang="en-US" smtClean="0"/>
-              <a:t>7/18/2023</a:t>
+              <a:t>3/25/2024</a:t>
             </a:fld>
             <a:endParaRPr lang="en-US"/>
           </a:p>
@@ -1152,7 +1152,7 @@
           <a:p>
             <a:fld id="{5E322444-AC78-4D7E-B8B8-5ACC761D4F45}" type="datetimeFigureOut">
               <a:rPr lang="en-US" smtClean="0"/>
-              <a:t>7/18/2023</a:t>
+              <a:t>3/25/2024</a:t>
             </a:fld>
             <a:endParaRPr lang="en-US"/>
           </a:p>
@@ -1417,7 +1417,7 @@
           <a:p>
             <a:fld id="{5E322444-AC78-4D7E-B8B8-5ACC761D4F45}" type="datetimeFigureOut">
               <a:rPr lang="en-US" smtClean="0"/>
-              <a:t>7/18/2023</a:t>
+              <a:t>3/25/2024</a:t>
             </a:fld>
             <a:endParaRPr lang="en-US"/>
           </a:p>
@@ -1829,7 +1829,7 @@
           <a:p>
             <a:fld id="{5E322444-AC78-4D7E-B8B8-5ACC761D4F45}" type="datetimeFigureOut">
               <a:rPr lang="en-US" smtClean="0"/>
-              <a:t>7/18/2023</a:t>
+              <a:t>3/25/2024</a:t>
             </a:fld>
             <a:endParaRPr lang="en-US"/>
           </a:p>
@@ -1970,7 +1970,7 @@
           <a:p>
             <a:fld id="{5E322444-AC78-4D7E-B8B8-5ACC761D4F45}" type="datetimeFigureOut">
               <a:rPr lang="en-US" smtClean="0"/>
-              <a:t>7/18/2023</a:t>
+              <a:t>3/25/2024</a:t>
             </a:fld>
             <a:endParaRPr lang="en-US"/>
           </a:p>
@@ -2083,7 +2083,7 @@
           <a:p>
             <a:fld id="{5E322444-AC78-4D7E-B8B8-5ACC761D4F45}" type="datetimeFigureOut">
               <a:rPr lang="en-US" smtClean="0"/>
-              <a:t>7/18/2023</a:t>
+              <a:t>3/25/2024</a:t>
             </a:fld>
             <a:endParaRPr lang="en-US"/>
           </a:p>
@@ -2394,7 +2394,7 @@
           <a:p>
             <a:fld id="{5E322444-AC78-4D7E-B8B8-5ACC761D4F45}" type="datetimeFigureOut">
               <a:rPr lang="en-US" smtClean="0"/>
-              <a:t>7/18/2023</a:t>
+              <a:t>3/25/2024</a:t>
             </a:fld>
             <a:endParaRPr lang="en-US"/>
           </a:p>
@@ -2682,7 +2682,7 @@
           <a:p>
             <a:fld id="{5E322444-AC78-4D7E-B8B8-5ACC761D4F45}" type="datetimeFigureOut">
               <a:rPr lang="en-US" smtClean="0"/>
-              <a:t>7/18/2023</a:t>
+              <a:t>3/25/2024</a:t>
             </a:fld>
             <a:endParaRPr lang="en-US"/>
           </a:p>
@@ -2923,7 +2923,7 @@
           <a:p>
             <a:fld id="{5E322444-AC78-4D7E-B8B8-5ACC761D4F45}" type="datetimeFigureOut">
               <a:rPr lang="en-US" smtClean="0"/>
-              <a:t>7/18/2023</a:t>
+              <a:t>3/25/2024</a:t>
             </a:fld>
             <a:endParaRPr lang="en-US"/>
           </a:p>
@@ -4078,7 +4078,15 @@
             <a:pPr lvl="1"/>
             <a:r>
               <a:rPr lang="en-US" dirty="0"/>
-              <a:t>Developers pay attention to for questions</a:t>
+              <a:t>Developers pay </a:t>
+            </a:r>
+            <a:r>
+              <a:rPr lang="en-US"/>
+              <a:t>attention for </a:t>
+            </a:r>
+            <a:r>
+              <a:rPr lang="en-US" dirty="0"/>
+              <a:t>questions</a:t>
             </a:r>
           </a:p>
           <a:p>
@@ -4265,21 +4273,8 @@
                   <a:srgbClr val="FF0000"/>
                 </a:solidFill>
               </a:rPr>
-              <a:t>midnight on the days of </a:t>
-            </a:r>
-            <a:r>
-              <a:rPr lang="en-US" b="1" u="sng">
-                <a:solidFill>
-                  <a:srgbClr val="FF0000"/>
-                </a:solidFill>
-              </a:rPr>
-              <a:t>the testing</a:t>
-            </a:r>
-            <a:endParaRPr lang="en-US" b="1" u="sng" dirty="0">
-              <a:solidFill>
-                <a:srgbClr val="FF0000"/>
-              </a:solidFill>
-            </a:endParaRPr>
+              <a:t>midnight on the days of the testing</a:t>
+            </a:r>
           </a:p>
         </p:txBody>
       </p:sp>
